--- a/Презентация.pptx
+++ b/Презентация.pptx
@@ -314,7 +314,7 @@
           <a:p>
             <a:fld id="{3A8D683A-E644-4A01-8883-3CCCD5A8CF89}" type="datetimeFigureOut">
               <a:rPr lang="ru-RU" smtClean="0"/>
-              <a:t>01-10-2017</a:t>
+              <a:t>04-10-2017</a:t>
             </a:fld>
             <a:endParaRPr lang="ru-RU"/>
           </a:p>
@@ -484,7 +484,7 @@
           <a:p>
             <a:fld id="{3A8D683A-E644-4A01-8883-3CCCD5A8CF89}" type="datetimeFigureOut">
               <a:rPr lang="ru-RU" smtClean="0"/>
-              <a:t>01-10-2017</a:t>
+              <a:t>04-10-2017</a:t>
             </a:fld>
             <a:endParaRPr lang="ru-RU"/>
           </a:p>
@@ -664,7 +664,7 @@
           <a:p>
             <a:fld id="{3A8D683A-E644-4A01-8883-3CCCD5A8CF89}" type="datetimeFigureOut">
               <a:rPr lang="ru-RU" smtClean="0"/>
-              <a:t>01-10-2017</a:t>
+              <a:t>04-10-2017</a:t>
             </a:fld>
             <a:endParaRPr lang="ru-RU"/>
           </a:p>
@@ -834,7 +834,7 @@
           <a:p>
             <a:fld id="{3A8D683A-E644-4A01-8883-3CCCD5A8CF89}" type="datetimeFigureOut">
               <a:rPr lang="ru-RU" smtClean="0"/>
-              <a:t>01-10-2017</a:t>
+              <a:t>04-10-2017</a:t>
             </a:fld>
             <a:endParaRPr lang="ru-RU"/>
           </a:p>
@@ -1080,7 +1080,7 @@
           <a:p>
             <a:fld id="{3A8D683A-E644-4A01-8883-3CCCD5A8CF89}" type="datetimeFigureOut">
               <a:rPr lang="ru-RU" smtClean="0"/>
-              <a:t>01-10-2017</a:t>
+              <a:t>04-10-2017</a:t>
             </a:fld>
             <a:endParaRPr lang="ru-RU"/>
           </a:p>
@@ -1368,7 +1368,7 @@
           <a:p>
             <a:fld id="{3A8D683A-E644-4A01-8883-3CCCD5A8CF89}" type="datetimeFigureOut">
               <a:rPr lang="ru-RU" smtClean="0"/>
-              <a:t>01-10-2017</a:t>
+              <a:t>04-10-2017</a:t>
             </a:fld>
             <a:endParaRPr lang="ru-RU"/>
           </a:p>
@@ -1790,7 +1790,7 @@
           <a:p>
             <a:fld id="{3A8D683A-E644-4A01-8883-3CCCD5A8CF89}" type="datetimeFigureOut">
               <a:rPr lang="ru-RU" smtClean="0"/>
-              <a:t>01-10-2017</a:t>
+              <a:t>04-10-2017</a:t>
             </a:fld>
             <a:endParaRPr lang="ru-RU"/>
           </a:p>
@@ -1908,7 +1908,7 @@
           <a:p>
             <a:fld id="{3A8D683A-E644-4A01-8883-3CCCD5A8CF89}" type="datetimeFigureOut">
               <a:rPr lang="ru-RU" smtClean="0"/>
-              <a:t>01-10-2017</a:t>
+              <a:t>04-10-2017</a:t>
             </a:fld>
             <a:endParaRPr lang="ru-RU"/>
           </a:p>
@@ -2003,7 +2003,7 @@
           <a:p>
             <a:fld id="{3A8D683A-E644-4A01-8883-3CCCD5A8CF89}" type="datetimeFigureOut">
               <a:rPr lang="ru-RU" smtClean="0"/>
-              <a:t>01-10-2017</a:t>
+              <a:t>04-10-2017</a:t>
             </a:fld>
             <a:endParaRPr lang="ru-RU"/>
           </a:p>
@@ -2280,7 +2280,7 @@
           <a:p>
             <a:fld id="{3A8D683A-E644-4A01-8883-3CCCD5A8CF89}" type="datetimeFigureOut">
               <a:rPr lang="ru-RU" smtClean="0"/>
-              <a:t>01-10-2017</a:t>
+              <a:t>04-10-2017</a:t>
             </a:fld>
             <a:endParaRPr lang="ru-RU"/>
           </a:p>
@@ -2533,7 +2533,7 @@
           <a:p>
             <a:fld id="{3A8D683A-E644-4A01-8883-3CCCD5A8CF89}" type="datetimeFigureOut">
               <a:rPr lang="ru-RU" smtClean="0"/>
-              <a:t>01-10-2017</a:t>
+              <a:t>04-10-2017</a:t>
             </a:fld>
             <a:endParaRPr lang="ru-RU"/>
           </a:p>
@@ -2746,7 +2746,7 @@
           <a:p>
             <a:fld id="{3A8D683A-E644-4A01-8883-3CCCD5A8CF89}" type="datetimeFigureOut">
               <a:rPr lang="ru-RU" smtClean="0"/>
-              <a:t>01-10-2017</a:t>
+              <a:t>04-10-2017</a:t>
             </a:fld>
             <a:endParaRPr lang="ru-RU"/>
           </a:p>
@@ -6175,24 +6175,24 @@
         <p:spPr>
           <a:xfrm>
             <a:off x="395536" y="332656"/>
-            <a:ext cx="8229600" cy="580926"/>
+            <a:ext cx="8229600" cy="352683"/>
           </a:xfrm>
         </p:spPr>
         <p:txBody>
           <a:bodyPr>
-            <a:normAutofit/>
+            <a:noAutofit/>
           </a:bodyPr>
           <a:lstStyle/>
           <a:p>
             <a:r>
-              <a:rPr lang="ru-RU" sz="3200" dirty="0" smtClean="0"/>
+              <a:rPr lang="ru-RU" sz="2400" dirty="0" smtClean="0"/>
               <a:t>Используемые источники</a:t>
             </a:r>
             <a:r>
-              <a:rPr lang="en-US" sz="3200" dirty="0" smtClean="0"/>
+              <a:rPr lang="en-US" sz="2400" dirty="0" smtClean="0"/>
               <a:t>:</a:t>
             </a:r>
-            <a:endParaRPr lang="ru-RU" sz="3200" dirty="0"/>
+            <a:endParaRPr lang="ru-RU" sz="2400" dirty="0"/>
           </a:p>
         </p:txBody>
       </p:sp>
@@ -6206,14 +6206,14 @@
             <p:ph idx="1"/>
             <p:extLst>
               <p:ext uri="{D42A27DB-BD31-4B8C-83A1-F6EECF244321}">
-                <p14:modId xmlns:p14="http://schemas.microsoft.com/office/powerpoint/2010/main" val="3562293296"/>
+                <p14:modId xmlns:p14="http://schemas.microsoft.com/office/powerpoint/2010/main" val="3606708809"/>
               </p:ext>
             </p:extLst>
           </p:nvPr>
         </p:nvGraphicFramePr>
         <p:xfrm>
-          <a:off x="323528" y="1124744"/>
-          <a:ext cx="8507288" cy="5024576"/>
+          <a:off x="323528" y="980728"/>
+          <a:ext cx="8507288" cy="5281032"/>
         </p:xfrm>
         <a:graphic>
           <a:graphicData uri="http://schemas.openxmlformats.org/drawingml/2006/table">
@@ -6222,10 +6222,10 @@
                 <a:tableStyleId>{5C22544A-7EE6-4342-B048-85BDC9FD1C3A}</a:tableStyleId>
               </a:tblPr>
               <a:tblGrid>
-                <a:gridCol w="4253644"/>
-                <a:gridCol w="4253644"/>
+                <a:gridCol w="5832648"/>
+                <a:gridCol w="2674640"/>
               </a:tblGrid>
-              <a:tr h="253329">
+              <a:tr h="216024">
                 <a:tc>
                   <a:txBody>
                     <a:bodyPr/>
@@ -6233,10 +6233,10 @@
                     <a:p>
                       <a:pPr algn="ctr"/>
                       <a:r>
-                        <a:rPr lang="ru-RU" dirty="0" smtClean="0"/>
+                        <a:rPr lang="ru-RU" sz="1600" dirty="0" smtClean="0"/>
                         <a:t>Название источника</a:t>
                       </a:r>
-                      <a:endParaRPr lang="ru-RU" dirty="0"/>
+                      <a:endParaRPr lang="ru-RU" sz="1600" dirty="0"/>
                     </a:p>
                   </a:txBody>
                   <a:tcPr/>
@@ -6248,10 +6248,10 @@
                     <a:p>
                       <a:pPr algn="ctr"/>
                       <a:r>
-                        <a:rPr lang="ru-RU" dirty="0" smtClean="0"/>
+                        <a:rPr lang="ru-RU" sz="1600" dirty="0" smtClean="0"/>
                         <a:t>Характеристика источника</a:t>
                       </a:r>
-                      <a:endParaRPr lang="ru-RU" dirty="0"/>
+                      <a:endParaRPr lang="ru-RU" sz="1600" dirty="0"/>
                     </a:p>
                   </a:txBody>
                   <a:tcPr/>
@@ -6281,7 +6281,7 @@
                         <a:defRPr/>
                       </a:pPr>
                       <a:r>
-                        <a:rPr lang="ru-RU" sz="1800" b="0" i="0" kern="1200" dirty="0" smtClean="0">
+                        <a:rPr lang="ru-RU" sz="1500" b="0" i="0" kern="1200" dirty="0" smtClean="0">
                           <a:solidFill>
                             <a:schemeClr val="dk1"/>
                           </a:solidFill>
@@ -6295,12 +6295,10 @@
                     </a:p>
                     <a:p>
                       <a:r>
-                        <a:rPr lang="ru-RU" dirty="0" smtClean="0">
-                          <a:hlinkClick r:id="rId2"/>
-                        </a:rPr>
-                        <a:t>Ссылка</a:t>
+                        <a:rPr lang="en-US" sz="1500" dirty="0" smtClean="0"/>
+                        <a:t>https://www.rusempire.ru/drevnejshaya-istoriya/1436-drevnie-slavyane-i-drugie-plemena-vostochnoj-evropy-grecheskie-kolonii.html</a:t>
                       </a:r>
-                      <a:endParaRPr lang="ru-RU" dirty="0"/>
+                      <a:endParaRPr lang="ru-RU" sz="1500" dirty="0"/>
                     </a:p>
                   </a:txBody>
                   <a:tcPr/>
@@ -6311,14 +6309,14 @@
                     <a:lstStyle/>
                     <a:p>
                       <a:r>
-                        <a:rPr lang="ru-RU" dirty="0" smtClean="0"/>
+                        <a:rPr lang="ru-RU" sz="1500" dirty="0" smtClean="0"/>
                         <a:t>Информация о географии</a:t>
                       </a:r>
                       <a:r>
-                        <a:rPr lang="ru-RU" baseline="0" dirty="0" smtClean="0"/>
+                        <a:rPr lang="ru-RU" sz="1500" baseline="0" dirty="0" smtClean="0"/>
                         <a:t> населения восточных славян</a:t>
                       </a:r>
-                      <a:endParaRPr lang="ru-RU" dirty="0"/>
+                      <a:endParaRPr lang="ru-RU" sz="1500" dirty="0"/>
                     </a:p>
                   </a:txBody>
                   <a:tcPr/>
@@ -6331,20 +6329,18 @@
                     <a:lstStyle/>
                     <a:p>
                       <a:r>
-                        <a:rPr lang="ru-RU" dirty="0" smtClean="0"/>
+                        <a:rPr lang="ru-RU" sz="1500" dirty="0" smtClean="0"/>
                         <a:t>Древние славяне</a:t>
                       </a:r>
                       <a:r>
-                        <a:rPr lang="ru-RU" baseline="0" dirty="0" smtClean="0"/>
+                        <a:rPr lang="ru-RU" sz="1500" baseline="0" dirty="0" smtClean="0"/>
                         <a:t> </a:t>
                       </a:r>
                       <a:r>
-                        <a:rPr lang="ru-RU" baseline="0" dirty="0" smtClean="0">
-                          <a:hlinkClick r:id="rId3"/>
-                        </a:rPr>
-                        <a:t>Ссылка</a:t>
+                        <a:rPr lang="en-US" sz="1500" baseline="0" dirty="0" smtClean="0"/>
+                        <a:t>http://www.skudelnica.ru/drevnie-slavyane/</a:t>
                       </a:r>
-                      <a:endParaRPr lang="ru-RU" dirty="0" smtClean="0"/>
+                      <a:endParaRPr lang="ru-RU" sz="1500" dirty="0" smtClean="0"/>
                     </a:p>
                   </a:txBody>
                   <a:tcPr/>
@@ -6355,14 +6351,14 @@
                     <a:lstStyle/>
                     <a:p>
                       <a:r>
-                        <a:rPr lang="ru-RU" dirty="0" smtClean="0"/>
+                        <a:rPr lang="ru-RU" sz="1500" dirty="0" smtClean="0"/>
                         <a:t>Иллюстрация поселения</a:t>
                       </a:r>
                       <a:r>
-                        <a:rPr lang="ru-RU" baseline="0" dirty="0" smtClean="0"/>
+                        <a:rPr lang="ru-RU" sz="1500" baseline="0" dirty="0" smtClean="0"/>
                         <a:t> восточных славян</a:t>
                       </a:r>
-                      <a:endParaRPr lang="ru-RU" dirty="0"/>
+                      <a:endParaRPr lang="ru-RU" sz="1500" dirty="0"/>
                     </a:p>
                   </a:txBody>
                   <a:tcPr/>
@@ -6375,16 +6371,14 @@
                     <a:lstStyle/>
                     <a:p>
                       <a:r>
-                        <a:rPr lang="ru-RU" dirty="0" smtClean="0"/>
+                        <a:rPr lang="ru-RU" sz="1500" dirty="0" smtClean="0"/>
                         <a:t>Славянская культура </a:t>
                       </a:r>
                       <a:r>
-                        <a:rPr lang="ru-RU" dirty="0" smtClean="0">
-                          <a:hlinkClick r:id="rId4"/>
-                        </a:rPr>
-                        <a:t>Ссылка</a:t>
+                        <a:rPr lang="en-US" sz="1500" dirty="0" smtClean="0"/>
+                        <a:t>http://slavyanskaya-kultura.ru/slavic/history/mir-drevnih-slavjan.html</a:t>
                       </a:r>
-                      <a:endParaRPr lang="ru-RU" dirty="0" smtClean="0"/>
+                      <a:endParaRPr lang="ru-RU" sz="1500" dirty="0" smtClean="0"/>
                     </a:p>
                   </a:txBody>
                   <a:tcPr/>
@@ -6395,14 +6389,14 @@
                     <a:lstStyle/>
                     <a:p>
                       <a:r>
-                        <a:rPr lang="ru-RU" dirty="0" smtClean="0"/>
+                        <a:rPr lang="ru-RU" sz="1500" dirty="0" smtClean="0"/>
                         <a:t>Описание жилищ</a:t>
                       </a:r>
                       <a:r>
-                        <a:rPr lang="ru-RU" baseline="0" dirty="0" smtClean="0"/>
+                        <a:rPr lang="ru-RU" sz="1500" baseline="0" dirty="0" smtClean="0"/>
                         <a:t> древних славян</a:t>
                       </a:r>
-                      <a:endParaRPr lang="ru-RU" dirty="0"/>
+                      <a:endParaRPr lang="ru-RU" sz="1500" dirty="0"/>
                     </a:p>
                   </a:txBody>
                   <a:tcPr/>
@@ -6415,16 +6409,14 @@
                     <a:lstStyle/>
                     <a:p>
                       <a:r>
-                        <a:rPr lang="ru-RU" dirty="0" smtClean="0"/>
+                        <a:rPr lang="ru-RU" sz="1500" dirty="0" smtClean="0"/>
                         <a:t>Семья у древних славян </a:t>
                       </a:r>
                       <a:r>
-                        <a:rPr lang="ru-RU" dirty="0" smtClean="0">
-                          <a:hlinkClick r:id="rId5"/>
-                        </a:rPr>
-                        <a:t>Ссылка</a:t>
+                        <a:rPr lang="en-US" sz="1500" dirty="0" smtClean="0"/>
+                        <a:t>http://radogost.ru/semja-u-slavjan.html</a:t>
                       </a:r>
-                      <a:endParaRPr lang="ru-RU" dirty="0" smtClean="0"/>
+                      <a:endParaRPr lang="ru-RU" sz="1500" dirty="0" smtClean="0"/>
                     </a:p>
                   </a:txBody>
                   <a:tcPr/>
@@ -6435,14 +6427,14 @@
                     <a:lstStyle/>
                     <a:p>
                       <a:r>
-                        <a:rPr lang="ru-RU" dirty="0" smtClean="0"/>
+                        <a:rPr lang="ru-RU" sz="1500" dirty="0" smtClean="0"/>
                         <a:t>Информация о семейной</a:t>
                       </a:r>
                       <a:r>
-                        <a:rPr lang="ru-RU" baseline="0" dirty="0" smtClean="0"/>
+                        <a:rPr lang="ru-RU" sz="1500" baseline="0" dirty="0" smtClean="0"/>
                         <a:t> жизни славян</a:t>
                       </a:r>
-                      <a:endParaRPr lang="ru-RU" dirty="0"/>
+                      <a:endParaRPr lang="ru-RU" sz="1500" dirty="0"/>
                     </a:p>
                   </a:txBody>
                   <a:tcPr/>
@@ -6455,20 +6447,18 @@
                     <a:lstStyle/>
                     <a:p>
                       <a:r>
-                        <a:rPr lang="ru-RU" dirty="0" smtClean="0"/>
+                        <a:rPr lang="ru-RU" sz="1500" dirty="0" smtClean="0"/>
                         <a:t>Интересные факты о древних</a:t>
                       </a:r>
                       <a:r>
-                        <a:rPr lang="ru-RU" baseline="0" dirty="0" smtClean="0"/>
+                        <a:rPr lang="ru-RU" sz="1500" baseline="0" dirty="0" smtClean="0"/>
                         <a:t> славянах </a:t>
                       </a:r>
                       <a:r>
-                        <a:rPr lang="ru-RU" baseline="0" dirty="0" smtClean="0">
-                          <a:hlinkClick r:id="rId6"/>
-                        </a:rPr>
-                        <a:t>Ссылка</a:t>
+                        <a:rPr lang="en-US" sz="1500" baseline="0" dirty="0" smtClean="0"/>
+                        <a:t>https://onedio.ru/news/13-interesnyh-faktov-o-drevnih-slavyanah-19990</a:t>
                       </a:r>
-                      <a:endParaRPr lang="ru-RU" dirty="0" smtClean="0"/>
+                      <a:endParaRPr lang="ru-RU" sz="1500" dirty="0" smtClean="0"/>
                     </a:p>
                   </a:txBody>
                   <a:tcPr/>
@@ -6479,10 +6469,10 @@
                     <a:lstStyle/>
                     <a:p>
                       <a:r>
-                        <a:rPr lang="ru-RU" dirty="0" smtClean="0"/>
+                        <a:rPr lang="ru-RU" sz="1500" dirty="0" smtClean="0"/>
                         <a:t>Обряд инициации детей</a:t>
                       </a:r>
-                      <a:endParaRPr lang="ru-RU" dirty="0"/>
+                      <a:endParaRPr lang="ru-RU" sz="1500" dirty="0"/>
                     </a:p>
                   </a:txBody>
                   <a:tcPr/>
@@ -6495,16 +6485,14 @@
                     <a:lstStyle/>
                     <a:p>
                       <a:r>
-                        <a:rPr lang="ru-RU" dirty="0" smtClean="0"/>
+                        <a:rPr lang="ru-RU" sz="1500" dirty="0" smtClean="0"/>
                         <a:t>Занятия древних славян </a:t>
                       </a:r>
                       <a:r>
-                        <a:rPr lang="ru-RU" dirty="0" smtClean="0">
-                          <a:hlinkClick r:id="rId7"/>
-                        </a:rPr>
-                        <a:t>Ссылка</a:t>
+                        <a:rPr lang="en-US" sz="1500" dirty="0" smtClean="0"/>
+                        <a:t>http://cde.osu.ru/demoversion/course47/t1_2.html</a:t>
                       </a:r>
-                      <a:endParaRPr lang="ru-RU" dirty="0" smtClean="0"/>
+                      <a:endParaRPr lang="ru-RU" sz="1500" dirty="0" smtClean="0"/>
                     </a:p>
                   </a:txBody>
                   <a:tcPr/>
@@ -6515,10 +6503,10 @@
                     <a:lstStyle/>
                     <a:p>
                       <a:r>
-                        <a:rPr lang="ru-RU" dirty="0" smtClean="0"/>
+                        <a:rPr lang="ru-RU" sz="1500" dirty="0" smtClean="0"/>
                         <a:t>Описание занятий древних славян</a:t>
                       </a:r>
-                      <a:endParaRPr lang="ru-RU" dirty="0"/>
+                      <a:endParaRPr lang="ru-RU" sz="1500" dirty="0"/>
                     </a:p>
                   </a:txBody>
                   <a:tcPr/>
@@ -6531,16 +6519,14 @@
                     <a:lstStyle/>
                     <a:p>
                       <a:r>
-                        <a:rPr lang="ru-RU" dirty="0" smtClean="0"/>
+                        <a:rPr lang="ru-RU" sz="1500" dirty="0" smtClean="0"/>
                         <a:t>Жизнь и быт древних славян </a:t>
                       </a:r>
                       <a:r>
-                        <a:rPr lang="ru-RU" dirty="0" smtClean="0">
-                          <a:hlinkClick r:id="rId8"/>
-                        </a:rPr>
-                        <a:t>Ссылка</a:t>
+                        <a:rPr lang="en-US" sz="1500" dirty="0" smtClean="0"/>
+                        <a:t>http://perstni.com/magazine/history/jizn-i-bit-drevnih-slavyan.html</a:t>
                       </a:r>
-                      <a:endParaRPr lang="ru-RU" dirty="0" smtClean="0"/>
+                      <a:endParaRPr lang="ru-RU" sz="1500" dirty="0" smtClean="0"/>
                     </a:p>
                   </a:txBody>
                   <a:tcPr/>
@@ -6551,10 +6537,10 @@
                     <a:lstStyle/>
                     <a:p>
                       <a:r>
-                        <a:rPr lang="ru-RU" dirty="0" smtClean="0"/>
+                        <a:rPr lang="ru-RU" sz="1500" dirty="0" smtClean="0"/>
                         <a:t>Описание занятий древних славян</a:t>
                       </a:r>
-                      <a:endParaRPr lang="ru-RU" dirty="0"/>
+                      <a:endParaRPr lang="ru-RU" sz="1500" dirty="0"/>
                     </a:p>
                   </a:txBody>
                   <a:tcPr/>
@@ -6567,16 +6553,14 @@
                     <a:lstStyle/>
                     <a:p>
                       <a:r>
-                        <a:rPr lang="ru-RU" dirty="0" smtClean="0"/>
+                        <a:rPr lang="ru-RU" sz="1500" dirty="0" smtClean="0"/>
                         <a:t>Религия древних славян </a:t>
                       </a:r>
                       <a:r>
-                        <a:rPr lang="ru-RU" dirty="0" smtClean="0">
-                          <a:hlinkClick r:id="rId9"/>
-                        </a:rPr>
-                        <a:t>Ссылка</a:t>
+                        <a:rPr lang="en-US" sz="1500" dirty="0" smtClean="0"/>
+                        <a:t>http://www.grandars.ru/college/filosofiya/religiya-drevnih-slavyan.html</a:t>
                       </a:r>
-                      <a:endParaRPr lang="ru-RU" dirty="0" smtClean="0"/>
+                      <a:endParaRPr lang="ru-RU" sz="1500" dirty="0" smtClean="0"/>
                     </a:p>
                   </a:txBody>
                   <a:tcPr/>
@@ -6587,18 +6571,18 @@
                     <a:lstStyle/>
                     <a:p>
                       <a:r>
-                        <a:rPr lang="ru-RU" dirty="0" smtClean="0"/>
+                        <a:rPr lang="ru-RU" sz="1500" dirty="0" smtClean="0"/>
                         <a:t>Вера древних славян</a:t>
                       </a:r>
                       <a:r>
-                        <a:rPr lang="en-US" dirty="0" smtClean="0"/>
+                        <a:rPr lang="en-US" sz="1500" dirty="0" smtClean="0"/>
                         <a:t>.</a:t>
                       </a:r>
                       <a:r>
-                        <a:rPr lang="ru-RU" dirty="0" smtClean="0"/>
+                        <a:rPr lang="ru-RU" sz="1500" dirty="0" smtClean="0"/>
                         <a:t> Боги древних славян</a:t>
                       </a:r>
-                      <a:endParaRPr lang="ru-RU" dirty="0"/>
+                      <a:endParaRPr lang="ru-RU" sz="1500" dirty="0"/>
                     </a:p>
                   </a:txBody>
                   <a:tcPr/>
